--- a/SE2019春-G25-项目计划2.0.pptx
+++ b/SE2019春-G25-项目计划2.0.pptx
@@ -228,7 +228,7 @@
           <a:p>
             <a:fld id="{4848E391-FE89-4CC7-9BD0-ACE05D40C667}" type="datetimeFigureOut">
               <a:rPr lang="zh-CN" altLang="en-US" smtClean="0"/>
-              <a:t>2019/3/28</a:t>
+              <a:t>2019/3/29</a:t>
             </a:fld>
             <a:endParaRPr lang="zh-CN" altLang="en-US"/>
           </a:p>
@@ -710,7 +710,7 @@
           <a:p>
             <a:fld id="{8872F5F8-F761-48C6-9267-8C5034088554}" type="datetimeFigureOut">
               <a:rPr lang="zh-CN" altLang="en-US" smtClean="0"/>
-              <a:t>2019/3/28</a:t>
+              <a:t>2019/3/29</a:t>
             </a:fld>
             <a:endParaRPr lang="zh-CN" altLang="en-US"/>
           </a:p>
@@ -880,7 +880,7 @@
           <a:p>
             <a:fld id="{8872F5F8-F761-48C6-9267-8C5034088554}" type="datetimeFigureOut">
               <a:rPr lang="zh-CN" altLang="en-US" smtClean="0"/>
-              <a:t>2019/3/28</a:t>
+              <a:t>2019/3/29</a:t>
             </a:fld>
             <a:endParaRPr lang="zh-CN" altLang="en-US"/>
           </a:p>
@@ -1060,7 +1060,7 @@
           <a:p>
             <a:fld id="{8872F5F8-F761-48C6-9267-8C5034088554}" type="datetimeFigureOut">
               <a:rPr lang="zh-CN" altLang="en-US" smtClean="0"/>
-              <a:t>2019/3/28</a:t>
+              <a:t>2019/3/29</a:t>
             </a:fld>
             <a:endParaRPr lang="zh-CN" altLang="en-US"/>
           </a:p>
@@ -1272,7 +1272,7 @@
           <a:p>
             <a:fld id="{8872F5F8-F761-48C6-9267-8C5034088554}" type="datetimeFigureOut">
               <a:rPr lang="zh-CN" altLang="en-US" smtClean="0"/>
-              <a:t>2019/3/28</a:t>
+              <a:t>2019/3/29</a:t>
             </a:fld>
             <a:endParaRPr lang="zh-CN" altLang="en-US"/>
           </a:p>
@@ -1516,7 +1516,7 @@
           <a:p>
             <a:fld id="{8872F5F8-F761-48C6-9267-8C5034088554}" type="datetimeFigureOut">
               <a:rPr lang="zh-CN" altLang="en-US" smtClean="0"/>
-              <a:t>2019/3/28</a:t>
+              <a:t>2019/3/29</a:t>
             </a:fld>
             <a:endParaRPr lang="zh-CN" altLang="en-US"/>
           </a:p>
@@ -1748,7 +1748,7 @@
           <a:p>
             <a:fld id="{8872F5F8-F761-48C6-9267-8C5034088554}" type="datetimeFigureOut">
               <a:rPr lang="zh-CN" altLang="en-US" smtClean="0"/>
-              <a:t>2019/3/28</a:t>
+              <a:t>2019/3/29</a:t>
             </a:fld>
             <a:endParaRPr lang="zh-CN" altLang="en-US"/>
           </a:p>
@@ -2115,7 +2115,7 @@
           <a:p>
             <a:fld id="{8872F5F8-F761-48C6-9267-8C5034088554}" type="datetimeFigureOut">
               <a:rPr lang="zh-CN" altLang="en-US" smtClean="0"/>
-              <a:t>2019/3/28</a:t>
+              <a:t>2019/3/29</a:t>
             </a:fld>
             <a:endParaRPr lang="zh-CN" altLang="en-US"/>
           </a:p>
@@ -2233,7 +2233,7 @@
           <a:p>
             <a:fld id="{8872F5F8-F761-48C6-9267-8C5034088554}" type="datetimeFigureOut">
               <a:rPr lang="zh-CN" altLang="en-US" smtClean="0"/>
-              <a:t>2019/3/28</a:t>
+              <a:t>2019/3/29</a:t>
             </a:fld>
             <a:endParaRPr lang="zh-CN" altLang="en-US"/>
           </a:p>
@@ -2328,7 +2328,7 @@
           <a:p>
             <a:fld id="{8872F5F8-F761-48C6-9267-8C5034088554}" type="datetimeFigureOut">
               <a:rPr lang="zh-CN" altLang="en-US" smtClean="0"/>
-              <a:t>2019/3/28</a:t>
+              <a:t>2019/3/29</a:t>
             </a:fld>
             <a:endParaRPr lang="zh-CN" altLang="en-US"/>
           </a:p>
@@ -2605,7 +2605,7 @@
           <a:p>
             <a:fld id="{8872F5F8-F761-48C6-9267-8C5034088554}" type="datetimeFigureOut">
               <a:rPr lang="zh-CN" altLang="en-US" smtClean="0"/>
-              <a:t>2019/3/28</a:t>
+              <a:t>2019/3/29</a:t>
             </a:fld>
             <a:endParaRPr lang="zh-CN" altLang="en-US"/>
           </a:p>
@@ -2862,7 +2862,7 @@
           <a:p>
             <a:fld id="{8872F5F8-F761-48C6-9267-8C5034088554}" type="datetimeFigureOut">
               <a:rPr lang="zh-CN" altLang="en-US" smtClean="0"/>
-              <a:t>2019/3/28</a:t>
+              <a:t>2019/3/29</a:t>
             </a:fld>
             <a:endParaRPr lang="zh-CN" altLang="en-US"/>
           </a:p>
@@ -3078,7 +3078,7 @@
           <a:p>
             <a:fld id="{8872F5F8-F761-48C6-9267-8C5034088554}" type="datetimeFigureOut">
               <a:rPr lang="zh-CN" altLang="en-US" smtClean="0"/>
-              <a:t>2019/3/28</a:t>
+              <a:t>2019/3/29</a:t>
             </a:fld>
             <a:endParaRPr lang="zh-CN" altLang="en-US"/>
           </a:p>
@@ -3674,11 +3674,18 @@
           <a:p>
             <a:pPr algn="ctr"/>
             <a:r>
+              <a:rPr lang="en-US" altLang="zh-CN" sz="4050" b="1" dirty="0">
+                <a:latin typeface="+mj-ea"/>
+                <a:ea typeface="+mj-ea"/>
+              </a:rPr>
+              <a:t>G25</a:t>
+            </a:r>
+            <a:r>
               <a:rPr lang="zh-CN" altLang="en-US" sz="4050" b="1" dirty="0">
                 <a:latin typeface="+mj-ea"/>
                 <a:ea typeface="+mj-ea"/>
               </a:rPr>
-              <a:t>功能课程表项目计划</a:t>
+              <a:t>关于功能课程表的项目计划</a:t>
             </a:r>
           </a:p>
         </p:txBody>
@@ -4140,6 +4147,72 @@
           </a:p>
         </p:txBody>
       </p:sp>
+      <p:pic>
+        <p:nvPicPr>
+          <p:cNvPr id="11" name="图片 10"/>
+          <p:cNvPicPr>
+            <a:picLocks noChangeAspect="1"/>
+          </p:cNvPicPr>
+          <p:nvPr/>
+        </p:nvPicPr>
+        <p:blipFill>
+          <a:blip r:embed="rId4">
+            <a:extLst>
+              <a:ext uri="{28A0092B-C50C-407E-A947-70E740481C1C}">
+                <a14:useLocalDpi xmlns:a14="http://schemas.microsoft.com/office/drawing/2010/main" val="0"/>
+              </a:ext>
+            </a:extLst>
+          </a:blip>
+          <a:stretch>
+            <a:fillRect/>
+          </a:stretch>
+        </p:blipFill>
+        <p:spPr>
+          <a:xfrm>
+            <a:off x="52375" y="122142"/>
+            <a:ext cx="1316858" cy="1047362"/>
+          </a:xfrm>
+          <a:prstGeom prst="rect">
+            <a:avLst/>
+          </a:prstGeom>
+        </p:spPr>
+      </p:pic>
+      <p:pic>
+        <p:nvPicPr>
+          <p:cNvPr id="3" name="图片 2">
+            <a:extLst>
+              <a:ext uri="{FF2B5EF4-FFF2-40B4-BE49-F238E27FC236}">
+                <a16:creationId xmlns:a16="http://schemas.microsoft.com/office/drawing/2014/main" id="{B8D896BD-3B7B-4835-AF17-FA079B6D6428}"/>
+              </a:ext>
+            </a:extLst>
+          </p:cNvPr>
+          <p:cNvPicPr>
+            <a:picLocks noChangeAspect="1"/>
+          </p:cNvPicPr>
+          <p:nvPr/>
+        </p:nvPicPr>
+        <p:blipFill>
+          <a:blip r:embed="rId5">
+            <a:extLst>
+              <a:ext uri="{28A0092B-C50C-407E-A947-70E740481C1C}">
+                <a14:useLocalDpi xmlns:a14="http://schemas.microsoft.com/office/drawing/2010/main" val="0"/>
+              </a:ext>
+            </a:extLst>
+          </a:blip>
+          <a:stretch>
+            <a:fillRect/>
+          </a:stretch>
+        </p:blipFill>
+        <p:spPr>
+          <a:xfrm>
+            <a:off x="7086713" y="4912405"/>
+            <a:ext cx="2057287" cy="1945595"/>
+          </a:xfrm>
+          <a:prstGeom prst="rect">
+            <a:avLst/>
+          </a:prstGeom>
+        </p:spPr>
+      </p:pic>
     </p:spTree>
     <p:extLst>
       <p:ext uri="{BB962C8B-B14F-4D97-AF65-F5344CB8AC3E}">
@@ -6291,7 +6364,7 @@
           <a:p>
             <a:r>
               <a:rPr lang="zh-CN" altLang="en-US" sz="2400" dirty="0"/>
-              <a:t>总结：我们将采用小程序的形式来实现我们的项目。因为①小程序拥有的低门槛特点适合我们学生群体独立开发②通过查询我们已知开发语言</a:t>
+              <a:t>总结：通过以上对比我们将采用小程序的形式来实现我们的项目。因为①小程序拥有的低门槛特点适合我们学生群体独立开发②通过查询我们已知开发语言</a:t>
             </a:r>
             <a:r>
               <a:rPr lang="en-US" altLang="zh-CN" sz="2400" dirty="0" err="1"/>
@@ -6691,7 +6764,7 @@
         <p:spPr>
           <a:xfrm>
             <a:off x="2657364" y="679936"/>
-            <a:ext cx="5765780" cy="3785652"/>
+            <a:ext cx="5765780" cy="4278094"/>
           </a:xfrm>
           <a:prstGeom prst="rect">
             <a:avLst/>
@@ -6741,11 +6814,15 @@
           <a:p>
             <a:r>
               <a:rPr lang="zh-CN" altLang="en-US" sz="1600" b="1" dirty="0"/>
-              <a:t>申请小程序：</a:t>
+              <a:t>申请公众号：</a:t>
             </a:r>
             <a:endParaRPr lang="en-US" altLang="zh-CN" sz="1600" b="1" dirty="0"/>
           </a:p>
           <a:p>
+            <a:r>
+              <a:rPr lang="zh-CN" altLang="en-US" sz="1600" dirty="0"/>
+              <a:t>在微信公众平台申请公众号，填写公众号信息和申请人信息即可注册</a:t>
+            </a:r>
             <a:endParaRPr lang="en-US" altLang="zh-CN" sz="1600" b="1" dirty="0"/>
           </a:p>
           <a:p>
@@ -6761,7 +6838,11 @@
           </a:p>
           <a:p>
             <a:pPr lvl="0"/>
-            <a:endParaRPr lang="en-US" altLang="zh-CN" sz="1600" b="1" dirty="0"/>
+            <a:r>
+              <a:rPr lang="zh-CN" altLang="en-US" sz="1600" dirty="0"/>
+              <a:t>进入微信公众平台公众号后台开通小程序关联功能通过验证即可</a:t>
+            </a:r>
+            <a:endParaRPr lang="en-US" altLang="zh-CN" sz="1600" dirty="0"/>
           </a:p>
           <a:p>
             <a:pPr lvl="0"/>
@@ -7201,8 +7282,8 @@
         </p:nvSpPr>
         <p:spPr>
           <a:xfrm>
-            <a:off x="2657364" y="679936"/>
-            <a:ext cx="5765780" cy="338554"/>
+            <a:off x="2714345" y="649159"/>
+            <a:ext cx="5765780" cy="1354217"/>
           </a:xfrm>
           <a:prstGeom prst="rect">
             <a:avLst/>
@@ -7218,8 +7299,766 @@
             <a:pPr lvl="0"/>
             <a:r>
               <a:rPr lang="en-US" altLang="zh-CN" sz="1600" dirty="0"/>
-              <a:t>11</a:t>
-            </a:r>
+              <a:t>1.</a:t>
+            </a:r>
+            <a:r>
+              <a:rPr lang="zh-CN" altLang="en-US" sz="1600" dirty="0"/>
+              <a:t>基础建设投资</a:t>
+            </a:r>
+            <a:endParaRPr lang="en-US" altLang="zh-CN" sz="1600" dirty="0"/>
+          </a:p>
+          <a:p>
+            <a:r>
+              <a:rPr lang="en-US" altLang="zh-CN" sz="1600" dirty="0"/>
+              <a:t>   </a:t>
+            </a:r>
+            <a:r>
+              <a:rPr lang="zh-CN" altLang="zh-CN" sz="1200" dirty="0"/>
+              <a:t>开发所需软件以及小组成员每人一台电脑和相应的网络环境</a:t>
+            </a:r>
+            <a:r>
+              <a:rPr lang="zh-CN" altLang="zh-CN" sz="1600" dirty="0"/>
+              <a:t>。</a:t>
+            </a:r>
+          </a:p>
+          <a:p>
+            <a:r>
+              <a:rPr lang="en-US" altLang="zh-CN" sz="1600" dirty="0"/>
+              <a:t>2.</a:t>
+            </a:r>
+            <a:r>
+              <a:rPr lang="zh-CN" altLang="zh-CN" sz="1600" dirty="0"/>
+              <a:t>时间成本</a:t>
+            </a:r>
+          </a:p>
+          <a:p>
+            <a:pPr lvl="0"/>
+            <a:r>
+              <a:rPr lang="en-US" altLang="zh-CN" dirty="0"/>
+              <a:t>  </a:t>
+            </a:r>
+            <a:r>
+              <a:rPr lang="zh-CN" altLang="zh-CN" sz="1200" dirty="0"/>
+              <a:t>根据课本内容的建议，我们将本项目生命周期假设为</a:t>
+            </a:r>
+            <a:r>
+              <a:rPr lang="en-US" altLang="zh-CN" sz="1200" dirty="0"/>
+              <a:t>3</a:t>
+            </a:r>
+            <a:r>
+              <a:rPr lang="zh-CN" altLang="en-US" sz="1200" dirty="0"/>
+              <a:t>个月</a:t>
+            </a:r>
+            <a:endParaRPr lang="en-US" altLang="zh-CN" sz="1200" dirty="0"/>
+          </a:p>
+          <a:p>
+            <a:pPr lvl="0"/>
+            <a:r>
+              <a:rPr lang="en-US" altLang="zh-CN" sz="1600" dirty="0"/>
+              <a:t>   </a:t>
+            </a:r>
+          </a:p>
+        </p:txBody>
+      </p:sp>
+      <p:graphicFrame>
+        <p:nvGraphicFramePr>
+          <p:cNvPr id="4" name="表格 3"/>
+          <p:cNvGraphicFramePr>
+            <a:graphicFrameLocks noGrp="1"/>
+          </p:cNvGraphicFramePr>
+          <p:nvPr>
+            <p:extLst>
+              <p:ext uri="{D42A27DB-BD31-4B8C-83A1-F6EECF244321}">
+                <p14:modId xmlns:p14="http://schemas.microsoft.com/office/powerpoint/2010/main" val="1691438677"/>
+              </p:ext>
+            </p:extLst>
+          </p:nvPr>
+        </p:nvGraphicFramePr>
+        <p:xfrm>
+          <a:off x="3004937" y="1747580"/>
+          <a:ext cx="4257254" cy="1432942"/>
+        </p:xfrm>
+        <a:graphic>
+          <a:graphicData uri="http://schemas.openxmlformats.org/drawingml/2006/table">
+            <a:tbl>
+              <a:tblPr firstRow="1" firstCol="1" bandRow="1">
+                <a:tableStyleId>{5C22544A-7EE6-4342-B048-85BDC9FD1C3A}</a:tableStyleId>
+              </a:tblPr>
+              <a:tblGrid>
+                <a:gridCol w="2035967">
+                  <a:extLst>
+                    <a:ext uri="{9D8B030D-6E8A-4147-A177-3AD203B41FA5}">
+                      <a16:colId xmlns:a16="http://schemas.microsoft.com/office/drawing/2014/main" val="1918293427"/>
+                    </a:ext>
+                  </a:extLst>
+                </a:gridCol>
+                <a:gridCol w="2221287">
+                  <a:extLst>
+                    <a:ext uri="{9D8B030D-6E8A-4147-A177-3AD203B41FA5}">
+                      <a16:colId xmlns:a16="http://schemas.microsoft.com/office/drawing/2014/main" val="4175002277"/>
+                    </a:ext>
+                  </a:extLst>
+                </a:gridCol>
+              </a:tblGrid>
+              <a:tr h="204706">
+                <a:tc>
+                  <a:txBody>
+                    <a:bodyPr/>
+                    <a:lstStyle/>
+                    <a:p>
+                      <a:pPr indent="304800" algn="just">
+                        <a:spcAft>
+                          <a:spcPts val="0"/>
+                        </a:spcAft>
+                      </a:pPr>
+                      <a:r>
+                        <a:rPr lang="zh-CN" sz="1200" kern="100">
+                          <a:effectLst/>
+                        </a:rPr>
+                        <a:t>任务</a:t>
+                      </a:r>
+                      <a:endParaRPr lang="zh-CN" sz="1050" kern="100">
+                        <a:effectLst/>
+                        <a:latin typeface="Times New Roman" panose="02020603050405020304" pitchFamily="18" charset="0"/>
+                        <a:ea typeface="宋体" panose="02010600030101010101" pitchFamily="2" charset="-122"/>
+                        <a:cs typeface="Times New Roman" panose="02020603050405020304" pitchFamily="18" charset="0"/>
+                      </a:endParaRPr>
+                    </a:p>
+                  </a:txBody>
+                  <a:tcPr marL="68580" marR="68580" marT="0" marB="0"/>
+                </a:tc>
+                <a:tc>
+                  <a:txBody>
+                    <a:bodyPr/>
+                    <a:lstStyle/>
+                    <a:p>
+                      <a:pPr indent="304800" algn="just">
+                        <a:spcAft>
+                          <a:spcPts val="0"/>
+                        </a:spcAft>
+                      </a:pPr>
+                      <a:r>
+                        <a:rPr lang="zh-CN" sz="1200" kern="100">
+                          <a:effectLst/>
+                        </a:rPr>
+                        <a:t>成本（元）</a:t>
+                      </a:r>
+                      <a:endParaRPr lang="zh-CN" sz="1050" kern="100">
+                        <a:effectLst/>
+                        <a:latin typeface="Times New Roman" panose="02020603050405020304" pitchFamily="18" charset="0"/>
+                        <a:ea typeface="宋体" panose="02010600030101010101" pitchFamily="2" charset="-122"/>
+                        <a:cs typeface="Times New Roman" panose="02020603050405020304" pitchFamily="18" charset="0"/>
+                      </a:endParaRPr>
+                    </a:p>
+                  </a:txBody>
+                  <a:tcPr marL="68580" marR="68580" marT="0" marB="0"/>
+                </a:tc>
+                <a:extLst>
+                  <a:ext uri="{0D108BD9-81ED-4DB2-BD59-A6C34878D82A}">
+                    <a16:rowId xmlns:a16="http://schemas.microsoft.com/office/drawing/2014/main" val="2330346151"/>
+                  </a:ext>
+                </a:extLst>
+              </a:tr>
+              <a:tr h="204706">
+                <a:tc>
+                  <a:txBody>
+                    <a:bodyPr/>
+                    <a:lstStyle/>
+                    <a:p>
+                      <a:pPr indent="304800" algn="just">
+                        <a:spcAft>
+                          <a:spcPts val="0"/>
+                        </a:spcAft>
+                      </a:pPr>
+                      <a:r>
+                        <a:rPr lang="zh-CN" sz="1200" kern="100" dirty="0">
+                          <a:effectLst/>
+                        </a:rPr>
+                        <a:t>前期准备</a:t>
+                      </a:r>
+                      <a:endParaRPr lang="zh-CN" sz="1050" kern="100" dirty="0">
+                        <a:effectLst/>
+                        <a:latin typeface="Times New Roman" panose="02020603050405020304" pitchFamily="18" charset="0"/>
+                        <a:ea typeface="宋体" panose="02010600030101010101" pitchFamily="2" charset="-122"/>
+                        <a:cs typeface="Times New Roman" panose="02020603050405020304" pitchFamily="18" charset="0"/>
+                      </a:endParaRPr>
+                    </a:p>
+                  </a:txBody>
+                  <a:tcPr marL="68580" marR="68580" marT="0" marB="0"/>
+                </a:tc>
+                <a:tc>
+                  <a:txBody>
+                    <a:bodyPr/>
+                    <a:lstStyle/>
+                    <a:p>
+                      <a:pPr indent="304800" algn="just">
+                        <a:spcAft>
+                          <a:spcPts val="0"/>
+                        </a:spcAft>
+                      </a:pPr>
+                      <a:r>
+                        <a:rPr lang="en-US" sz="1200" kern="100" dirty="0">
+                          <a:effectLst/>
+                        </a:rPr>
+                        <a:t>680.6</a:t>
+                      </a:r>
+                      <a:endParaRPr lang="zh-CN" sz="1050" kern="100" dirty="0">
+                        <a:effectLst/>
+                        <a:latin typeface="Times New Roman" panose="02020603050405020304" pitchFamily="18" charset="0"/>
+                        <a:ea typeface="宋体" panose="02010600030101010101" pitchFamily="2" charset="-122"/>
+                        <a:cs typeface="Times New Roman" panose="02020603050405020304" pitchFamily="18" charset="0"/>
+                      </a:endParaRPr>
+                    </a:p>
+                  </a:txBody>
+                  <a:tcPr marL="68580" marR="68580" marT="0" marB="0"/>
+                </a:tc>
+                <a:extLst>
+                  <a:ext uri="{0D108BD9-81ED-4DB2-BD59-A6C34878D82A}">
+                    <a16:rowId xmlns:a16="http://schemas.microsoft.com/office/drawing/2014/main" val="192748207"/>
+                  </a:ext>
+                </a:extLst>
+              </a:tr>
+              <a:tr h="204706">
+                <a:tc>
+                  <a:txBody>
+                    <a:bodyPr/>
+                    <a:lstStyle/>
+                    <a:p>
+                      <a:pPr indent="304800" algn="just">
+                        <a:spcAft>
+                          <a:spcPts val="0"/>
+                        </a:spcAft>
+                      </a:pPr>
+                      <a:r>
+                        <a:rPr lang="zh-CN" sz="1200" kern="100">
+                          <a:effectLst/>
+                        </a:rPr>
+                        <a:t>可行性研究</a:t>
+                      </a:r>
+                      <a:endParaRPr lang="zh-CN" sz="1050" kern="100">
+                        <a:effectLst/>
+                        <a:latin typeface="Times New Roman" panose="02020603050405020304" pitchFamily="18" charset="0"/>
+                        <a:ea typeface="宋体" panose="02010600030101010101" pitchFamily="2" charset="-122"/>
+                        <a:cs typeface="Times New Roman" panose="02020603050405020304" pitchFamily="18" charset="0"/>
+                      </a:endParaRPr>
+                    </a:p>
+                  </a:txBody>
+                  <a:tcPr marL="68580" marR="68580" marT="0" marB="0"/>
+                </a:tc>
+                <a:tc>
+                  <a:txBody>
+                    <a:bodyPr/>
+                    <a:lstStyle/>
+                    <a:p>
+                      <a:pPr indent="304800" algn="just">
+                        <a:spcAft>
+                          <a:spcPts val="0"/>
+                        </a:spcAft>
+                      </a:pPr>
+                      <a:r>
+                        <a:rPr lang="en-US" sz="1200" kern="100" dirty="0">
+                          <a:effectLst/>
+                        </a:rPr>
+                        <a:t>952.48</a:t>
+                      </a:r>
+                      <a:endParaRPr lang="zh-CN" sz="1050" kern="100" dirty="0">
+                        <a:effectLst/>
+                        <a:latin typeface="Times New Roman" panose="02020603050405020304" pitchFamily="18" charset="0"/>
+                        <a:ea typeface="宋体" panose="02010600030101010101" pitchFamily="2" charset="-122"/>
+                        <a:cs typeface="Times New Roman" panose="02020603050405020304" pitchFamily="18" charset="0"/>
+                      </a:endParaRPr>
+                    </a:p>
+                  </a:txBody>
+                  <a:tcPr marL="68580" marR="68580" marT="0" marB="0"/>
+                </a:tc>
+                <a:extLst>
+                  <a:ext uri="{0D108BD9-81ED-4DB2-BD59-A6C34878D82A}">
+                    <a16:rowId xmlns:a16="http://schemas.microsoft.com/office/drawing/2014/main" val="3786827922"/>
+                  </a:ext>
+                </a:extLst>
+              </a:tr>
+              <a:tr h="204706">
+                <a:tc>
+                  <a:txBody>
+                    <a:bodyPr/>
+                    <a:lstStyle/>
+                    <a:p>
+                      <a:pPr indent="304800" algn="just">
+                        <a:spcAft>
+                          <a:spcPts val="0"/>
+                        </a:spcAft>
+                      </a:pPr>
+                      <a:r>
+                        <a:rPr lang="zh-CN" sz="1200" kern="100" dirty="0">
+                          <a:effectLst/>
+                        </a:rPr>
+                        <a:t>制定并修订项目介绍</a:t>
+                      </a:r>
+                      <a:endParaRPr lang="zh-CN" sz="1050" kern="100" dirty="0">
+                        <a:effectLst/>
+                        <a:latin typeface="Times New Roman" panose="02020603050405020304" pitchFamily="18" charset="0"/>
+                        <a:ea typeface="宋体" panose="02010600030101010101" pitchFamily="2" charset="-122"/>
+                        <a:cs typeface="Times New Roman" panose="02020603050405020304" pitchFamily="18" charset="0"/>
+                      </a:endParaRPr>
+                    </a:p>
+                  </a:txBody>
+                  <a:tcPr marL="68580" marR="68580" marT="0" marB="0"/>
+                </a:tc>
+                <a:tc>
+                  <a:txBody>
+                    <a:bodyPr/>
+                    <a:lstStyle/>
+                    <a:p>
+                      <a:pPr indent="304800" algn="just">
+                        <a:spcAft>
+                          <a:spcPts val="0"/>
+                        </a:spcAft>
+                      </a:pPr>
+                      <a:r>
+                        <a:rPr lang="en-US" sz="1200" kern="100" dirty="0">
+                          <a:effectLst/>
+                        </a:rPr>
+                        <a:t>136.12</a:t>
+                      </a:r>
+                      <a:endParaRPr lang="zh-CN" sz="1050" kern="100" dirty="0">
+                        <a:effectLst/>
+                        <a:latin typeface="Times New Roman" panose="02020603050405020304" pitchFamily="18" charset="0"/>
+                        <a:ea typeface="宋体" panose="02010600030101010101" pitchFamily="2" charset="-122"/>
+                        <a:cs typeface="Times New Roman" panose="02020603050405020304" pitchFamily="18" charset="0"/>
+                      </a:endParaRPr>
+                    </a:p>
+                  </a:txBody>
+                  <a:tcPr marL="68580" marR="68580" marT="0" marB="0"/>
+                </a:tc>
+                <a:extLst>
+                  <a:ext uri="{0D108BD9-81ED-4DB2-BD59-A6C34878D82A}">
+                    <a16:rowId xmlns:a16="http://schemas.microsoft.com/office/drawing/2014/main" val="245575263"/>
+                  </a:ext>
+                </a:extLst>
+              </a:tr>
+              <a:tr h="204706">
+                <a:tc>
+                  <a:txBody>
+                    <a:bodyPr/>
+                    <a:lstStyle/>
+                    <a:p>
+                      <a:pPr indent="304800" algn="just">
+                        <a:spcAft>
+                          <a:spcPts val="0"/>
+                        </a:spcAft>
+                      </a:pPr>
+                      <a:r>
+                        <a:rPr lang="zh-CN" sz="1200" kern="100">
+                          <a:effectLst/>
+                        </a:rPr>
+                        <a:t>制定并修订项目计划</a:t>
+                      </a:r>
+                      <a:endParaRPr lang="zh-CN" sz="1050" kern="100">
+                        <a:effectLst/>
+                        <a:latin typeface="Times New Roman" panose="02020603050405020304" pitchFamily="18" charset="0"/>
+                        <a:ea typeface="宋体" panose="02010600030101010101" pitchFamily="2" charset="-122"/>
+                        <a:cs typeface="Times New Roman" panose="02020603050405020304" pitchFamily="18" charset="0"/>
+                      </a:endParaRPr>
+                    </a:p>
+                  </a:txBody>
+                  <a:tcPr marL="68580" marR="68580" marT="0" marB="0"/>
+                </a:tc>
+                <a:tc>
+                  <a:txBody>
+                    <a:bodyPr/>
+                    <a:lstStyle/>
+                    <a:p>
+                      <a:pPr indent="304800" algn="just">
+                        <a:spcAft>
+                          <a:spcPts val="0"/>
+                        </a:spcAft>
+                      </a:pPr>
+                      <a:r>
+                        <a:rPr lang="en-US" sz="1200" kern="100" dirty="0">
+                          <a:effectLst/>
+                        </a:rPr>
+                        <a:t>204.18</a:t>
+                      </a:r>
+                      <a:endParaRPr lang="zh-CN" sz="1050" kern="100" dirty="0">
+                        <a:effectLst/>
+                        <a:latin typeface="Times New Roman" panose="02020603050405020304" pitchFamily="18" charset="0"/>
+                        <a:ea typeface="宋体" panose="02010600030101010101" pitchFamily="2" charset="-122"/>
+                        <a:cs typeface="Times New Roman" panose="02020603050405020304" pitchFamily="18" charset="0"/>
+                      </a:endParaRPr>
+                    </a:p>
+                  </a:txBody>
+                  <a:tcPr marL="68580" marR="68580" marT="0" marB="0"/>
+                </a:tc>
+                <a:extLst>
+                  <a:ext uri="{0D108BD9-81ED-4DB2-BD59-A6C34878D82A}">
+                    <a16:rowId xmlns:a16="http://schemas.microsoft.com/office/drawing/2014/main" val="258468486"/>
+                  </a:ext>
+                </a:extLst>
+              </a:tr>
+              <a:tr h="204706">
+                <a:tc>
+                  <a:txBody>
+                    <a:bodyPr/>
+                    <a:lstStyle/>
+                    <a:p>
+                      <a:pPr indent="304800" algn="just">
+                        <a:spcAft>
+                          <a:spcPts val="0"/>
+                        </a:spcAft>
+                      </a:pPr>
+                      <a:r>
+                        <a:rPr lang="zh-CN" sz="1200" kern="100">
+                          <a:effectLst/>
+                        </a:rPr>
+                        <a:t>草拟开发计划书</a:t>
+                      </a:r>
+                      <a:endParaRPr lang="zh-CN" sz="1050" kern="100">
+                        <a:effectLst/>
+                        <a:latin typeface="Times New Roman" panose="02020603050405020304" pitchFamily="18" charset="0"/>
+                        <a:ea typeface="宋体" panose="02010600030101010101" pitchFamily="2" charset="-122"/>
+                        <a:cs typeface="Times New Roman" panose="02020603050405020304" pitchFamily="18" charset="0"/>
+                      </a:endParaRPr>
+                    </a:p>
+                  </a:txBody>
+                  <a:tcPr marL="68580" marR="68580" marT="0" marB="0"/>
+                </a:tc>
+                <a:tc>
+                  <a:txBody>
+                    <a:bodyPr/>
+                    <a:lstStyle/>
+                    <a:p>
+                      <a:pPr indent="304800" algn="just">
+                        <a:spcAft>
+                          <a:spcPts val="0"/>
+                        </a:spcAft>
+                      </a:pPr>
+                      <a:r>
+                        <a:rPr lang="en-US" altLang="zh-CN" sz="1200" kern="100" dirty="0">
+                          <a:effectLst/>
+                          <a:latin typeface="+mn-lt"/>
+                          <a:ea typeface="+mn-ea"/>
+                          <a:cs typeface="+mn-cs"/>
+                        </a:rPr>
+                        <a:t>136.12</a:t>
+                      </a:r>
+                      <a:endParaRPr lang="zh-CN" sz="1050" kern="100" dirty="0">
+                        <a:effectLst/>
+                        <a:latin typeface="Times New Roman" panose="02020603050405020304" pitchFamily="18" charset="0"/>
+                        <a:ea typeface="宋体" panose="02010600030101010101" pitchFamily="2" charset="-122"/>
+                        <a:cs typeface="Times New Roman" panose="02020603050405020304" pitchFamily="18" charset="0"/>
+                      </a:endParaRPr>
+                    </a:p>
+                  </a:txBody>
+                  <a:tcPr marL="68580" marR="68580" marT="0" marB="0"/>
+                </a:tc>
+                <a:extLst>
+                  <a:ext uri="{0D108BD9-81ED-4DB2-BD59-A6C34878D82A}">
+                    <a16:rowId xmlns:a16="http://schemas.microsoft.com/office/drawing/2014/main" val="2145260630"/>
+                  </a:ext>
+                </a:extLst>
+              </a:tr>
+              <a:tr h="204706">
+                <a:tc>
+                  <a:txBody>
+                    <a:bodyPr/>
+                    <a:lstStyle/>
+                    <a:p>
+                      <a:pPr indent="304800" algn="just">
+                        <a:spcAft>
+                          <a:spcPts val="0"/>
+                        </a:spcAft>
+                      </a:pPr>
+                      <a:r>
+                        <a:rPr lang="zh-CN" sz="1200" kern="100" dirty="0">
+                          <a:effectLst/>
+                        </a:rPr>
+                        <a:t>总计</a:t>
+                      </a:r>
+                      <a:endParaRPr lang="zh-CN" sz="1050" kern="100" dirty="0">
+                        <a:effectLst/>
+                        <a:latin typeface="Times New Roman" panose="02020603050405020304" pitchFamily="18" charset="0"/>
+                        <a:ea typeface="宋体" panose="02010600030101010101" pitchFamily="2" charset="-122"/>
+                        <a:cs typeface="Times New Roman" panose="02020603050405020304" pitchFamily="18" charset="0"/>
+                      </a:endParaRPr>
+                    </a:p>
+                  </a:txBody>
+                  <a:tcPr marL="68580" marR="68580" marT="0" marB="0"/>
+                </a:tc>
+                <a:tc>
+                  <a:txBody>
+                    <a:bodyPr/>
+                    <a:lstStyle/>
+                    <a:p>
+                      <a:pPr indent="304800" algn="just">
+                        <a:spcAft>
+                          <a:spcPts val="0"/>
+                        </a:spcAft>
+                      </a:pPr>
+                      <a:r>
+                        <a:rPr lang="en-US" sz="1200" kern="100" dirty="0">
+                          <a:effectLst/>
+                        </a:rPr>
+                        <a:t>1633.4</a:t>
+                      </a:r>
+                      <a:endParaRPr lang="zh-CN" sz="1050" kern="100" dirty="0">
+                        <a:effectLst/>
+                        <a:latin typeface="Times New Roman" panose="02020603050405020304" pitchFamily="18" charset="0"/>
+                        <a:ea typeface="宋体" panose="02010600030101010101" pitchFamily="2" charset="-122"/>
+                        <a:cs typeface="Times New Roman" panose="02020603050405020304" pitchFamily="18" charset="0"/>
+                      </a:endParaRPr>
+                    </a:p>
+                  </a:txBody>
+                  <a:tcPr marL="68580" marR="68580" marT="0" marB="0"/>
+                </a:tc>
+                <a:extLst>
+                  <a:ext uri="{0D108BD9-81ED-4DB2-BD59-A6C34878D82A}">
+                    <a16:rowId xmlns:a16="http://schemas.microsoft.com/office/drawing/2014/main" val="508742343"/>
+                  </a:ext>
+                </a:extLst>
+              </a:tr>
+            </a:tbl>
+          </a:graphicData>
+        </a:graphic>
+      </p:graphicFrame>
+      <p:sp>
+        <p:nvSpPr>
+          <p:cNvPr id="6" name="矩形 5"/>
+          <p:cNvSpPr/>
+          <p:nvPr/>
+        </p:nvSpPr>
+        <p:spPr>
+          <a:xfrm>
+            <a:off x="3004937" y="3113562"/>
+            <a:ext cx="5184574" cy="738664"/>
+          </a:xfrm>
+          <a:prstGeom prst="rect">
+            <a:avLst/>
+          </a:prstGeom>
+        </p:spPr>
+        <p:txBody>
+          <a:bodyPr wrap="square">
+            <a:spAutoFit/>
+          </a:bodyPr>
+          <a:lstStyle/>
+          <a:p>
+            <a:r>
+              <a:rPr lang="en-US" altLang="zh-CN" sz="1600" kern="100" dirty="0">
+                <a:latin typeface="+mn-ea"/>
+              </a:rPr>
+              <a:t> </a:t>
+            </a:r>
+            <a:r>
+              <a:rPr lang="en-US" altLang="zh-CN" sz="1000" kern="100" dirty="0">
+                <a:latin typeface="+mn-ea"/>
+              </a:rPr>
+              <a:t>*</a:t>
+            </a:r>
+            <a:r>
+              <a:rPr lang="zh-CN" altLang="zh-CN" sz="1000" kern="100" dirty="0">
+                <a:latin typeface="+mn-ea"/>
+                <a:cs typeface="Times New Roman" panose="02020603050405020304" pitchFamily="18" charset="0"/>
+              </a:rPr>
+              <a:t>上述结果按照</a:t>
+            </a:r>
+            <a:r>
+              <a:rPr lang="en-US" altLang="zh-CN" sz="1000" kern="100" dirty="0">
+                <a:latin typeface="+mn-ea"/>
+              </a:rPr>
+              <a:t>2019</a:t>
+            </a:r>
+            <a:r>
+              <a:rPr lang="zh-CN" altLang="zh-CN" sz="1000" kern="100" dirty="0">
+                <a:latin typeface="+mn-ea"/>
+                <a:cs typeface="Times New Roman" panose="02020603050405020304" pitchFamily="18" charset="0"/>
+              </a:rPr>
+              <a:t>年杭州市薪资水平报告里每人</a:t>
+            </a:r>
+            <a:r>
+              <a:rPr lang="en-US" altLang="zh-CN" sz="1000" kern="100" dirty="0">
+                <a:latin typeface="+mn-ea"/>
+              </a:rPr>
+              <a:t>68.06</a:t>
+            </a:r>
+            <a:r>
+              <a:rPr lang="zh-CN" altLang="zh-CN" sz="1000" kern="100" dirty="0">
+                <a:latin typeface="+mn-ea"/>
+                <a:cs typeface="Times New Roman" panose="02020603050405020304" pitchFamily="18" charset="0"/>
+              </a:rPr>
+              <a:t>元每小时的薪资水平，结合甘特图中给出的具体所需时间得出</a:t>
+            </a:r>
+            <a:endParaRPr lang="en-US" altLang="zh-CN" sz="1000" kern="100" dirty="0">
+              <a:latin typeface="+mn-ea"/>
+              <a:cs typeface="Times New Roman" panose="02020603050405020304" pitchFamily="18" charset="0"/>
+            </a:endParaRPr>
+          </a:p>
+          <a:p>
+            <a:endParaRPr lang="zh-CN" altLang="en-US" sz="1600" dirty="0">
+              <a:latin typeface="+mn-ea"/>
+            </a:endParaRPr>
+          </a:p>
+        </p:txBody>
+      </p:sp>
+      <p:sp>
+        <p:nvSpPr>
+          <p:cNvPr id="9" name="文本框 8"/>
+          <p:cNvSpPr txBox="1"/>
+          <p:nvPr/>
+        </p:nvSpPr>
+        <p:spPr>
+          <a:xfrm>
+            <a:off x="2714345" y="3592806"/>
+            <a:ext cx="5416195" cy="1831271"/>
+          </a:xfrm>
+          <a:prstGeom prst="rect">
+            <a:avLst/>
+          </a:prstGeom>
+          <a:noFill/>
+        </p:spPr>
+        <p:txBody>
+          <a:bodyPr wrap="square" rtlCol="0">
+            <a:spAutoFit/>
+          </a:bodyPr>
+          <a:lstStyle/>
+          <a:p>
+            <a:r>
+              <a:rPr lang="en-US" altLang="zh-CN" sz="1600" dirty="0">
+                <a:latin typeface="+mn-ea"/>
+              </a:rPr>
+              <a:t> 3.</a:t>
+            </a:r>
+            <a:r>
+              <a:rPr lang="zh-CN" altLang="zh-CN" sz="1600" dirty="0"/>
+              <a:t>预期的经济效益</a:t>
+            </a:r>
+            <a:r>
+              <a:rPr lang="en-US" altLang="zh-CN" sz="1600" dirty="0"/>
+              <a:t> </a:t>
+            </a:r>
+          </a:p>
+          <a:p>
+            <a:r>
+              <a:rPr lang="en-US" altLang="zh-CN" sz="1600" dirty="0"/>
+              <a:t>     </a:t>
+            </a:r>
+            <a:r>
+              <a:rPr lang="zh-CN" altLang="en-US" sz="1200" dirty="0">
+                <a:latin typeface="+mn-ea"/>
+              </a:rPr>
+              <a:t>可以通过推广发布广告、个人付费、流量收费来维持 小程序的运营，并通过小程序服务带来大量用户到其他关联产业</a:t>
+            </a:r>
+            <a:r>
+              <a:rPr lang="zh-CN" altLang="en-US" sz="1600" dirty="0"/>
+              <a:t>。</a:t>
+            </a:r>
+            <a:endParaRPr lang="en-US" altLang="zh-CN" sz="1600" dirty="0"/>
+          </a:p>
+          <a:p>
+            <a:r>
+              <a:rPr lang="en-US" altLang="zh-CN" sz="1600" dirty="0"/>
+              <a:t> 4.</a:t>
+            </a:r>
+            <a:r>
+              <a:rPr lang="zh-CN" altLang="en-US" sz="1600" dirty="0"/>
+              <a:t>其他费用运算</a:t>
+            </a:r>
+            <a:endParaRPr lang="en-US" altLang="zh-CN" sz="1600" dirty="0"/>
+          </a:p>
+          <a:p>
+            <a:r>
+              <a:rPr lang="en-US" altLang="zh-CN" sz="1600" dirty="0"/>
+              <a:t>     </a:t>
+            </a:r>
+            <a:r>
+              <a:rPr lang="en-US" altLang="zh-CN" sz="1100" dirty="0"/>
+              <a:t>Teambuilding</a:t>
+            </a:r>
+            <a:r>
+              <a:rPr lang="zh-CN" altLang="en-US" sz="1100" dirty="0"/>
+              <a:t>：</a:t>
+            </a:r>
+            <a:r>
+              <a:rPr lang="zh-CN" altLang="zh-CN" sz="1100" dirty="0"/>
+              <a:t>小组吃饭成本平均每月</a:t>
+            </a:r>
+            <a:r>
+              <a:rPr lang="en-US" altLang="zh-CN" sz="1100" dirty="0"/>
+              <a:t>1-2</a:t>
+            </a:r>
+            <a:r>
+              <a:rPr lang="zh-CN" altLang="zh-CN" sz="1100" dirty="0"/>
+              <a:t>次，每次</a:t>
+            </a:r>
+            <a:r>
+              <a:rPr lang="en-US" altLang="zh-CN" sz="1100" dirty="0"/>
+              <a:t>300</a:t>
+            </a:r>
+            <a:r>
+              <a:rPr lang="zh-CN" altLang="zh-CN" sz="1100" dirty="0"/>
+              <a:t>元，则吃饭成本</a:t>
+            </a:r>
+            <a:r>
+              <a:rPr lang="en-US" altLang="zh-CN" sz="1100" dirty="0"/>
+              <a:t>600*3=1800</a:t>
+            </a:r>
+          </a:p>
+          <a:p>
+            <a:r>
+              <a:rPr lang="en-US" altLang="zh-CN" sz="1100" dirty="0"/>
+              <a:t>       </a:t>
+            </a:r>
+            <a:r>
+              <a:rPr lang="zh-CN" altLang="zh-CN" sz="1100" dirty="0"/>
+              <a:t>自学费用</a:t>
+            </a:r>
+            <a:r>
+              <a:rPr lang="en-US" altLang="zh-CN" sz="1100" dirty="0"/>
+              <a:t>: </a:t>
+            </a:r>
+            <a:r>
+              <a:rPr lang="zh-CN" altLang="en-US" sz="1100" dirty="0"/>
+              <a:t>购买书籍，学习材料花费预计 </a:t>
+            </a:r>
+            <a:r>
+              <a:rPr lang="en-US" altLang="zh-CN" sz="1100" dirty="0"/>
+              <a:t>500</a:t>
+            </a:r>
+          </a:p>
+          <a:p>
+            <a:r>
+              <a:rPr lang="en-US" altLang="zh-CN" sz="1100" dirty="0"/>
+              <a:t>       </a:t>
+            </a:r>
+            <a:r>
+              <a:rPr lang="zh-CN" altLang="en-US" sz="1100" dirty="0"/>
+              <a:t>其他费用</a:t>
+            </a:r>
+            <a:r>
+              <a:rPr lang="en-US" altLang="zh-CN" sz="1100" dirty="0"/>
+              <a:t>:</a:t>
+            </a:r>
+            <a:r>
+              <a:rPr lang="zh-CN" altLang="en-US" sz="1100" dirty="0"/>
+              <a:t>开发过程中可能需要的额外开学 </a:t>
+            </a:r>
+            <a:r>
+              <a:rPr lang="en-US" altLang="zh-CN" sz="1100" dirty="0"/>
+              <a:t>300</a:t>
+            </a:r>
+          </a:p>
+          <a:p>
+            <a:r>
+              <a:rPr lang="en-US" altLang="zh-CN" sz="1100" dirty="0"/>
+              <a:t>       </a:t>
+            </a:r>
+            <a:r>
+              <a:rPr lang="zh-CN" altLang="en-US" sz="1100" dirty="0"/>
+              <a:t>总计：</a:t>
+            </a:r>
+            <a:r>
+              <a:rPr lang="en-US" altLang="zh-CN" sz="1100" dirty="0"/>
+              <a:t>1800+500+300=2600</a:t>
+            </a:r>
+            <a:endParaRPr lang="zh-CN" altLang="en-US" sz="1100" dirty="0"/>
           </a:p>
         </p:txBody>
       </p:sp>
@@ -8607,7 +9446,7 @@
         <p:grpSpPr>
           <a:xfrm>
             <a:off x="0" y="0"/>
-            <a:ext cx="2311882" cy="6858000"/>
+            <a:ext cx="2110739" cy="6858000"/>
             <a:chOff x="0" y="0"/>
             <a:chExt cx="2311882" cy="6858000"/>
           </a:xfrm>
@@ -8759,13 +9598,7 @@
       </p:grpSp>
       <p:pic>
         <p:nvPicPr>
-          <p:cNvPr id="3" name="图片 2">
-            <a:extLst>
-              <a:ext uri="{FF2B5EF4-FFF2-40B4-BE49-F238E27FC236}">
-                <a16:creationId xmlns:a16="http://schemas.microsoft.com/office/drawing/2014/main" id="{54AAC207-8EA1-4CA2-A829-8AA192380104}"/>
-              </a:ext>
-            </a:extLst>
-          </p:cNvPr>
+          <p:cNvPr id="4" name="图片 3"/>
           <p:cNvPicPr>
             <a:picLocks noChangeAspect="1"/>
           </p:cNvPicPr>
@@ -8785,8 +9618,8 @@
         </p:blipFill>
         <p:spPr>
           <a:xfrm>
-            <a:off x="2311882" y="2054446"/>
-            <a:ext cx="6832118" cy="3014704"/>
+            <a:off x="2110739" y="1604848"/>
+            <a:ext cx="7033261" cy="3648304"/>
           </a:xfrm>
           <a:prstGeom prst="rect">
             <a:avLst/>
@@ -15893,7 +16726,7 @@
             <p:nvPr/>
           </p:nvPicPr>
           <p:blipFill>
-            <a:blip r:embed="rId2">
+            <a:blip r:embed="rId2" cstate="hqprint">
               <a:extLst>
                 <a:ext uri="{28A0092B-C50C-407E-A947-70E740481C1C}">
                   <a14:useLocalDpi xmlns:a14="http://schemas.microsoft.com/office/drawing/2010/main" val="0"/>
@@ -16016,7 +16849,7 @@
             <p:nvPr/>
           </p:nvPicPr>
           <p:blipFill>
-            <a:blip r:embed="rId3">
+            <a:blip r:embed="rId3" cstate="hqprint">
               <a:extLst>
                 <a:ext uri="{28A0092B-C50C-407E-A947-70E740481C1C}">
                   <a14:useLocalDpi xmlns:a14="http://schemas.microsoft.com/office/drawing/2010/main" val="0"/>
@@ -16111,7 +16944,7 @@
             <p:nvPr/>
           </p:nvPicPr>
           <p:blipFill>
-            <a:blip r:embed="rId4">
+            <a:blip r:embed="rId4" cstate="hqprint">
               <a:extLst>
                 <a:ext uri="{28A0092B-C50C-407E-A947-70E740481C1C}">
                   <a14:useLocalDpi xmlns:a14="http://schemas.microsoft.com/office/drawing/2010/main" val="0"/>
@@ -16206,7 +17039,7 @@
             <p:nvPr/>
           </p:nvPicPr>
           <p:blipFill rotWithShape="1">
-            <a:blip r:embed="rId5">
+            <a:blip r:embed="rId5" cstate="hqprint">
               <a:extLst>
                 <a:ext uri="{28A0092B-C50C-407E-A947-70E740481C1C}">
                   <a14:useLocalDpi xmlns:a14="http://schemas.microsoft.com/office/drawing/2010/main" val="0"/>

--- a/SE2019春-G25-项目计划2.0.pptx
+++ b/SE2019春-G25-项目计划2.0.pptx
@@ -228,7 +228,7 @@
           <a:p>
             <a:fld id="{4848E391-FE89-4CC7-9BD0-ACE05D40C667}" type="datetimeFigureOut">
               <a:rPr lang="zh-CN" altLang="en-US" smtClean="0"/>
-              <a:t>2019/3/29</a:t>
+              <a:t>2019/4/15</a:t>
             </a:fld>
             <a:endParaRPr lang="zh-CN" altLang="en-US"/>
           </a:p>
@@ -710,7 +710,7 @@
           <a:p>
             <a:fld id="{8872F5F8-F761-48C6-9267-8C5034088554}" type="datetimeFigureOut">
               <a:rPr lang="zh-CN" altLang="en-US" smtClean="0"/>
-              <a:t>2019/3/29</a:t>
+              <a:t>2019/4/15</a:t>
             </a:fld>
             <a:endParaRPr lang="zh-CN" altLang="en-US"/>
           </a:p>
@@ -880,7 +880,7 @@
           <a:p>
             <a:fld id="{8872F5F8-F761-48C6-9267-8C5034088554}" type="datetimeFigureOut">
               <a:rPr lang="zh-CN" altLang="en-US" smtClean="0"/>
-              <a:t>2019/3/29</a:t>
+              <a:t>2019/4/15</a:t>
             </a:fld>
             <a:endParaRPr lang="zh-CN" altLang="en-US"/>
           </a:p>
@@ -1060,7 +1060,7 @@
           <a:p>
             <a:fld id="{8872F5F8-F761-48C6-9267-8C5034088554}" type="datetimeFigureOut">
               <a:rPr lang="zh-CN" altLang="en-US" smtClean="0"/>
-              <a:t>2019/3/29</a:t>
+              <a:t>2019/4/15</a:t>
             </a:fld>
             <a:endParaRPr lang="zh-CN" altLang="en-US"/>
           </a:p>
@@ -1272,7 +1272,7 @@
           <a:p>
             <a:fld id="{8872F5F8-F761-48C6-9267-8C5034088554}" type="datetimeFigureOut">
               <a:rPr lang="zh-CN" altLang="en-US" smtClean="0"/>
-              <a:t>2019/3/29</a:t>
+              <a:t>2019/4/15</a:t>
             </a:fld>
             <a:endParaRPr lang="zh-CN" altLang="en-US"/>
           </a:p>
@@ -1516,7 +1516,7 @@
           <a:p>
             <a:fld id="{8872F5F8-F761-48C6-9267-8C5034088554}" type="datetimeFigureOut">
               <a:rPr lang="zh-CN" altLang="en-US" smtClean="0"/>
-              <a:t>2019/3/29</a:t>
+              <a:t>2019/4/15</a:t>
             </a:fld>
             <a:endParaRPr lang="zh-CN" altLang="en-US"/>
           </a:p>
@@ -1748,7 +1748,7 @@
           <a:p>
             <a:fld id="{8872F5F8-F761-48C6-9267-8C5034088554}" type="datetimeFigureOut">
               <a:rPr lang="zh-CN" altLang="en-US" smtClean="0"/>
-              <a:t>2019/3/29</a:t>
+              <a:t>2019/4/15</a:t>
             </a:fld>
             <a:endParaRPr lang="zh-CN" altLang="en-US"/>
           </a:p>
@@ -2115,7 +2115,7 @@
           <a:p>
             <a:fld id="{8872F5F8-F761-48C6-9267-8C5034088554}" type="datetimeFigureOut">
               <a:rPr lang="zh-CN" altLang="en-US" smtClean="0"/>
-              <a:t>2019/3/29</a:t>
+              <a:t>2019/4/15</a:t>
             </a:fld>
             <a:endParaRPr lang="zh-CN" altLang="en-US"/>
           </a:p>
@@ -2233,7 +2233,7 @@
           <a:p>
             <a:fld id="{8872F5F8-F761-48C6-9267-8C5034088554}" type="datetimeFigureOut">
               <a:rPr lang="zh-CN" altLang="en-US" smtClean="0"/>
-              <a:t>2019/3/29</a:t>
+              <a:t>2019/4/15</a:t>
             </a:fld>
             <a:endParaRPr lang="zh-CN" altLang="en-US"/>
           </a:p>
@@ -2328,7 +2328,7 @@
           <a:p>
             <a:fld id="{8872F5F8-F761-48C6-9267-8C5034088554}" type="datetimeFigureOut">
               <a:rPr lang="zh-CN" altLang="en-US" smtClean="0"/>
-              <a:t>2019/3/29</a:t>
+              <a:t>2019/4/15</a:t>
             </a:fld>
             <a:endParaRPr lang="zh-CN" altLang="en-US"/>
           </a:p>
@@ -2605,7 +2605,7 @@
           <a:p>
             <a:fld id="{8872F5F8-F761-48C6-9267-8C5034088554}" type="datetimeFigureOut">
               <a:rPr lang="zh-CN" altLang="en-US" smtClean="0"/>
-              <a:t>2019/3/29</a:t>
+              <a:t>2019/4/15</a:t>
             </a:fld>
             <a:endParaRPr lang="zh-CN" altLang="en-US"/>
           </a:p>
@@ -2862,7 +2862,7 @@
           <a:p>
             <a:fld id="{8872F5F8-F761-48C6-9267-8C5034088554}" type="datetimeFigureOut">
               <a:rPr lang="zh-CN" altLang="en-US" smtClean="0"/>
-              <a:t>2019/3/29</a:t>
+              <a:t>2019/4/15</a:t>
             </a:fld>
             <a:endParaRPr lang="zh-CN" altLang="en-US"/>
           </a:p>
@@ -3078,7 +3078,7 @@
           <a:p>
             <a:fld id="{8872F5F8-F761-48C6-9267-8C5034088554}" type="datetimeFigureOut">
               <a:rPr lang="zh-CN" altLang="en-US" smtClean="0"/>
-              <a:t>2019/3/29</a:t>
+              <a:t>2019/4/15</a:t>
             </a:fld>
             <a:endParaRPr lang="zh-CN" altLang="en-US"/>
           </a:p>
@@ -15446,7 +15446,7 @@
         <p:spPr>
           <a:xfrm>
             <a:off x="2575331" y="1274564"/>
-            <a:ext cx="5570219" cy="2923877"/>
+            <a:ext cx="5570219" cy="3754874"/>
           </a:xfrm>
           <a:prstGeom prst="rect">
             <a:avLst/>
@@ -15577,6 +15577,39 @@
                 <a:ea typeface="微软雅黑 Light" panose="020B0502040204020203" pitchFamily="34" charset="-122"/>
               </a:rPr>
               <a:t>起始界面可添加提醒事项并关注公众号，公众号准时推送通知。</a:t>
+            </a:r>
+            <a:endParaRPr lang="en-US" altLang="zh-CN" dirty="0">
+              <a:latin typeface="微软雅黑 Light" panose="020B0502040204020203" pitchFamily="34" charset="-122"/>
+              <a:ea typeface="微软雅黑 Light" panose="020B0502040204020203" pitchFamily="34" charset="-122"/>
+            </a:endParaRPr>
+          </a:p>
+          <a:p>
+            <a:endParaRPr lang="en-US" altLang="zh-CN" dirty="0">
+              <a:latin typeface="微软雅黑 Light" panose="020B0502040204020203" pitchFamily="34" charset="-122"/>
+              <a:ea typeface="微软雅黑 Light" panose="020B0502040204020203" pitchFamily="34" charset="-122"/>
+            </a:endParaRPr>
+          </a:p>
+          <a:p>
+            <a:r>
+              <a:rPr lang="en-US" altLang="zh-CN" b="1" dirty="0">
+                <a:latin typeface="黑体" panose="02010609060101010101" pitchFamily="49" charset="-122"/>
+                <a:ea typeface="黑体" panose="02010609060101010101" pitchFamily="49" charset="-122"/>
+              </a:rPr>
+              <a:t>4</a:t>
+            </a:r>
+            <a:r>
+              <a:rPr lang="zh-CN" altLang="en-US" b="1" dirty="0">
+                <a:latin typeface="黑体" panose="02010609060101010101" pitchFamily="49" charset="-122"/>
+                <a:ea typeface="黑体" panose="02010609060101010101" pitchFamily="49" charset="-122"/>
+              </a:rPr>
+              <a:t>：</a:t>
+            </a:r>
+            <a:r>
+              <a:rPr lang="zh-CN" altLang="en-US" dirty="0">
+                <a:latin typeface="微软雅黑 Light" panose="020B0502040204020203" pitchFamily="34" charset="-122"/>
+                <a:ea typeface="微软雅黑 Light" panose="020B0502040204020203" pitchFamily="34" charset="-122"/>
+              </a:rPr>
+              <a:t>在小程序中可查看基于本周完成提醒事项数量的用户排行榜</a:t>
             </a:r>
           </a:p>
         </p:txBody>
